--- a/lesson5/SLAM.pptx
+++ b/lesson5/SLAM.pptx
@@ -4856,13 +4856,13 @@
           <a:lstStyle/>
           <a:p>
             <a:r>
-              <a:rPr lang="ru-RU" dirty="0">
+              <a:rPr lang="ru-RU" b="1" dirty="0">
                 <a:latin typeface="Arial" panose="020B0604020202020204" pitchFamily="34" charset="0"/>
                 <a:cs typeface="Arial" panose="020B0604020202020204" pitchFamily="34" charset="0"/>
               </a:rPr>
               <a:t>Свойства существенной матрицы:</a:t>
             </a:r>
-            <a:endParaRPr lang="en-US" dirty="0">
+            <a:endParaRPr lang="en-US" b="1" dirty="0">
               <a:latin typeface="Arial" panose="020B0604020202020204" pitchFamily="34" charset="0"/>
               <a:cs typeface="Arial" panose="020B0604020202020204" pitchFamily="34" charset="0"/>
             </a:endParaRPr>
@@ -7086,8 +7086,8 @@
           </p:sp>
         </mc:Fallback>
       </mc:AlternateContent>
-      <mc:AlternateContent xmlns:mc="http://schemas.openxmlformats.org/markup-compatibility/2006" xmlns:a14="http://schemas.microsoft.com/office/drawing/2010/main">
-        <mc:Choice Requires="a14">
+      <mc:AlternateContent xmlns:mc="http://schemas.openxmlformats.org/markup-compatibility/2006">
+        <mc:Choice xmlns:a14="http://schemas.microsoft.com/office/drawing/2010/main" Requires="a14">
           <p:sp>
             <p:nvSpPr>
               <p:cNvPr id="5" name="TextBox 4">
@@ -7102,7 +7102,7 @@
             </p:nvSpPr>
             <p:spPr>
               <a:xfrm>
-                <a:off x="7011201" y="2652942"/>
+                <a:off x="7011201" y="2832108"/>
                 <a:ext cx="1711622" cy="280846"/>
               </a:xfrm>
               <a:prstGeom prst="rect">
@@ -7261,7 +7261,7 @@
             </p:txBody>
           </p:sp>
         </mc:Choice>
-        <mc:Fallback xmlns="">
+        <mc:Fallback>
           <p:sp>
             <p:nvSpPr>
               <p:cNvPr id="5" name="TextBox 4">
@@ -7278,7 +7278,7 @@
             </p:nvSpPr>
             <p:spPr>
               <a:xfrm>
-                <a:off x="7011201" y="2652942"/>
+                <a:off x="7011201" y="2832108"/>
                 <a:ext cx="1711622" cy="280846"/>
               </a:xfrm>
               <a:prstGeom prst="rect">
@@ -10113,8 +10113,8 @@
           </a:p>
         </p:txBody>
       </p:sp>
-      <mc:AlternateContent xmlns:mc="http://schemas.openxmlformats.org/markup-compatibility/2006" xmlns:a14="http://schemas.microsoft.com/office/drawing/2010/main">
-        <mc:Choice Requires="a14">
+      <mc:AlternateContent xmlns:mc="http://schemas.openxmlformats.org/markup-compatibility/2006">
+        <mc:Choice xmlns:a14="http://schemas.microsoft.com/office/drawing/2010/main" Requires="a14">
           <p:sp>
             <p:nvSpPr>
               <p:cNvPr id="30" name="TextBox 29">
@@ -10239,7 +10239,7 @@
                     <a:latin typeface="Arial" panose="020B0604020202020204" pitchFamily="34" charset="0"/>
                     <a:cs typeface="Arial" panose="020B0604020202020204" pitchFamily="34" charset="0"/>
                   </a:rPr>
-                  <a:t>ближайшую существенной к найденной</a:t>
+                  <a:t>ближайшую существенную к найденной</a:t>
                 </a:r>
                 <a:r>
                   <a:rPr lang="en-US" dirty="0">
@@ -10288,7 +10288,7 @@
             </p:txBody>
           </p:sp>
         </mc:Choice>
-        <mc:Fallback xmlns="">
+        <mc:Fallback>
           <p:sp>
             <p:nvSpPr>
               <p:cNvPr id="30" name="TextBox 29">
@@ -11010,8 +11010,8 @@
           </p:sp>
         </mc:Fallback>
       </mc:AlternateContent>
-      <mc:AlternateContent xmlns:mc="http://schemas.openxmlformats.org/markup-compatibility/2006" xmlns:a14="http://schemas.microsoft.com/office/drawing/2010/main">
-        <mc:Choice Requires="a14">
+      <mc:AlternateContent xmlns:mc="http://schemas.openxmlformats.org/markup-compatibility/2006">
+        <mc:Choice xmlns:a14="http://schemas.microsoft.com/office/drawing/2010/main" Requires="a14">
           <p:sp>
             <p:nvSpPr>
               <p:cNvPr id="20" name="TextBox 19">
@@ -11027,7 +11027,7 @@
             <p:spPr>
               <a:xfrm>
                 <a:off x="5352095" y="3804852"/>
-                <a:ext cx="2888548" cy="276999"/>
+                <a:ext cx="2788456" cy="276999"/>
               </a:xfrm>
               <a:prstGeom prst="rect">
                 <a:avLst/>
@@ -11047,31 +11047,12 @@
                       <m:jc m:val="centerGroup"/>
                     </m:oMathParaPr>
                     <m:oMath xmlns:m="http://schemas.openxmlformats.org/officeDocument/2006/math">
-                      <m:sSup>
-                        <m:sSupPr>
-                          <m:ctrlPr>
-                            <a:rPr lang="ru-RU" i="1" smtClean="0">
-                              <a:latin typeface="Cambria Math" panose="02040503050406030204" pitchFamily="18" charset="0"/>
-                            </a:rPr>
-                          </m:ctrlPr>
-                        </m:sSupPr>
-                        <m:e>
-                          <m:r>
-                            <a:rPr lang="en-US" b="0" i="1" smtClean="0">
-                              <a:latin typeface="Cambria Math" panose="02040503050406030204" pitchFamily="18" charset="0"/>
-                            </a:rPr>
-                            <m:t>𝐸</m:t>
-                          </m:r>
-                        </m:e>
-                        <m:sup>
-                          <m:r>
-                            <a:rPr lang="en-US" b="0" i="1" smtClean="0">
-                              <a:latin typeface="Cambria Math" panose="02040503050406030204" pitchFamily="18" charset="0"/>
-                            </a:rPr>
-                            <m:t>𝑠</m:t>
-                          </m:r>
-                        </m:sup>
-                      </m:sSup>
+                      <m:r>
+                        <a:rPr lang="en-US" b="0" i="1" smtClean="0">
+                          <a:latin typeface="Cambria Math" panose="02040503050406030204" pitchFamily="18" charset="0"/>
+                        </a:rPr>
+                        <m:t>𝐸</m:t>
+                      </m:r>
                       <m:r>
                         <a:rPr lang="en-US" b="0" i="1" smtClean="0">
                           <a:latin typeface="Cambria Math" panose="02040503050406030204" pitchFamily="18" charset="0"/>
@@ -11253,7 +11234,7 @@
             </p:txBody>
           </p:sp>
         </mc:Choice>
-        <mc:Fallback xmlns="">
+        <mc:Fallback>
           <p:sp>
             <p:nvSpPr>
               <p:cNvPr id="20" name="TextBox 19">
@@ -11271,7 +11252,7 @@
             <p:spPr>
               <a:xfrm>
                 <a:off x="5352095" y="3804852"/>
-                <a:ext cx="2888548" cy="276999"/>
+                <a:ext cx="2788456" cy="276999"/>
               </a:xfrm>
               <a:prstGeom prst="rect">
                 <a:avLst/>
@@ -11279,7 +11260,7 @@
               <a:blipFill>
                 <a:blip r:embed="rId6"/>
                 <a:stretch>
-                  <a:fillRect l="-1477" t="-2174" b="-32609"/>
+                  <a:fillRect l="-1751" t="-2174" r="-219" b="-32609"/>
                 </a:stretch>
               </a:blipFill>
             </p:spPr>
@@ -11486,8 +11467,8 @@
           </p:sp>
         </mc:Fallback>
       </mc:AlternateContent>
-      <mc:AlternateContent xmlns:mc="http://schemas.openxmlformats.org/markup-compatibility/2006" xmlns:a14="http://schemas.microsoft.com/office/drawing/2010/main">
-        <mc:Choice Requires="a14">
+      <mc:AlternateContent xmlns:mc="http://schemas.openxmlformats.org/markup-compatibility/2006">
+        <mc:Choice xmlns:a14="http://schemas.microsoft.com/office/drawing/2010/main" Requires="a14">
           <p:sp>
             <p:nvSpPr>
               <p:cNvPr id="23" name="TextBox 22">
@@ -11546,7 +11527,7 @@
                     <a:latin typeface="Arial" panose="020B0604020202020204" pitchFamily="34" charset="0"/>
                     <a:cs typeface="Arial" panose="020B0604020202020204" pitchFamily="34" charset="0"/>
                   </a:rPr>
-                  <a:t> определена с точностью до умножению на константу, то можно принять </a:t>
+                  <a:t> определена с точностью до умножения на константу, то можно принять </a:t>
                 </a:r>
                 <a14:m>
                   <m:oMath xmlns:m="http://schemas.openxmlformats.org/officeDocument/2006/math">
@@ -11576,7 +11557,7 @@
             </p:txBody>
           </p:sp>
         </mc:Choice>
-        <mc:Fallback xmlns="">
+        <mc:Fallback>
           <p:sp>
             <p:nvSpPr>
               <p:cNvPr id="23" name="TextBox 22">
@@ -16046,7 +16027,7 @@
                 <a:latin typeface="Arial" panose="020B0604020202020204" pitchFamily="34" charset="0"/>
                 <a:cs typeface="Arial" panose="020B0604020202020204" pitchFamily="34" charset="0"/>
               </a:rPr>
-              <a:t>но хотим использовать 5pt алгоритм</a:t>
+              <a:t>но хотим использовать 5pt алгоритм?</a:t>
             </a:r>
           </a:p>
         </p:txBody>
@@ -24470,8 +24451,8 @@
           </a:p>
         </p:txBody>
       </p:sp>
-      <mc:AlternateContent xmlns:mc="http://schemas.openxmlformats.org/markup-compatibility/2006" xmlns:a14="http://schemas.microsoft.com/office/drawing/2010/main">
-        <mc:Choice Requires="a14">
+      <mc:AlternateContent xmlns:mc="http://schemas.openxmlformats.org/markup-compatibility/2006">
+        <mc:Choice xmlns:a14="http://schemas.microsoft.com/office/drawing/2010/main" Requires="a14">
           <p:sp>
             <p:nvSpPr>
               <p:cNvPr id="24" name="TextBox 23">
@@ -24487,7 +24468,7 @@
             <p:spPr>
               <a:xfrm>
                 <a:off x="4824069" y="4346255"/>
-                <a:ext cx="5307607" cy="1438086"/>
+                <a:ext cx="5368264" cy="1438086"/>
               </a:xfrm>
               <a:prstGeom prst="rect">
                 <a:avLst/>
@@ -24936,11 +24917,11 @@
                                       </m:e>
                                       <m:sub>
                                         <m:r>
-                                          <a:rPr lang="en-US" i="1">
+                                          <a:rPr lang="en-US" b="0" i="1" smtClean="0">
                                             <a:latin typeface="Cambria Math" panose="02040503050406030204" pitchFamily="18" charset="0"/>
                                             <a:ea typeface="Cambria Math" panose="02040503050406030204" pitchFamily="18" charset="0"/>
                                           </a:rPr>
-                                          <m:t>𝑥</m:t>
+                                          <m:t>𝑦</m:t>
                                         </m:r>
                                       </m:sub>
                                     </m:sSub>
@@ -24966,11 +24947,11 @@
                                       </m:e>
                                       <m:sub>
                                         <m:r>
-                                          <a:rPr lang="en-US" i="1">
+                                          <a:rPr lang="en-US" b="0" i="1" smtClean="0">
                                             <a:latin typeface="Cambria Math" panose="02040503050406030204" pitchFamily="18" charset="0"/>
                                             <a:ea typeface="Cambria Math" panose="02040503050406030204" pitchFamily="18" charset="0"/>
                                           </a:rPr>
-                                          <m:t>𝑥</m:t>
+                                          <m:t>𝑦</m:t>
                                         </m:r>
                                       </m:sub>
                                     </m:sSub>
@@ -25210,7 +25191,7 @@
             </p:txBody>
           </p:sp>
         </mc:Choice>
-        <mc:Fallback xmlns="">
+        <mc:Fallback>
           <p:sp>
             <p:nvSpPr>
               <p:cNvPr id="24" name="TextBox 23">
@@ -25228,7 +25209,7 @@
             <p:spPr>
               <a:xfrm>
                 <a:off x="4824069" y="4346255"/>
-                <a:ext cx="5307607" cy="1438086"/>
+                <a:ext cx="5368264" cy="1438086"/>
               </a:xfrm>
               <a:prstGeom prst="rect">
                 <a:avLst/>
@@ -25370,42 +25351,6 @@
           </p:sp>
         </mc:Fallback>
       </mc:AlternateContent>
-      <p:pic>
-        <p:nvPicPr>
-          <p:cNvPr id="2" name="Рисунок 1" descr="Изображение выглядит как диаграмма, линия, рисунок&#10;&#10;Содержимое, созданное искусственным интеллектом, может быть неверным.">
-            <a:extLst>
-              <a:ext uri="{FF2B5EF4-FFF2-40B4-BE49-F238E27FC236}">
-                <a16:creationId xmlns:a16="http://schemas.microsoft.com/office/drawing/2014/main" id="{927016FC-10B7-06AC-F62E-87DE2ECD8BB4}"/>
-              </a:ext>
-            </a:extLst>
-          </p:cNvPr>
-          <p:cNvPicPr>
-            <a:picLocks noChangeAspect="1"/>
-          </p:cNvPicPr>
-          <p:nvPr/>
-        </p:nvPicPr>
-        <p:blipFill>
-          <a:blip r:embed="rId7">
-            <a:extLst>
-              <a:ext uri="{28A0092B-C50C-407E-A947-70E740481C1C}">
-                <a14:useLocalDpi xmlns:a14="http://schemas.microsoft.com/office/drawing/2010/main" val="0"/>
-              </a:ext>
-            </a:extLst>
-          </a:blip>
-          <a:stretch>
-            <a:fillRect/>
-          </a:stretch>
-        </p:blipFill>
-        <p:spPr>
-          <a:xfrm>
-            <a:off x="8802819" y="1112130"/>
-            <a:ext cx="3131659" cy="3131659"/>
-          </a:xfrm>
-          <a:prstGeom prst="rect">
-            <a:avLst/>
-          </a:prstGeom>
-        </p:spPr>
-      </p:pic>
       <p:cxnSp>
         <p:nvCxnSpPr>
           <p:cNvPr id="5" name="Прямая со стрелкой 4">
@@ -25643,6 +25588,272 @@
           </a:p>
         </p:txBody>
       </p:sp>
+      <p:pic>
+        <p:nvPicPr>
+          <p:cNvPr id="4" name="Рисунок 3" descr="Изображение выглядит как диаграмма, линия, рисунок&#10;&#10;Содержимое, созданное искусственным интеллектом, может быть неверным.">
+            <a:extLst>
+              <a:ext uri="{FF2B5EF4-FFF2-40B4-BE49-F238E27FC236}">
+                <a16:creationId xmlns:a16="http://schemas.microsoft.com/office/drawing/2014/main" id="{5C31B819-1457-5ED2-611A-AD5A036061CB}"/>
+              </a:ext>
+            </a:extLst>
+          </p:cNvPr>
+          <p:cNvPicPr>
+            <a:picLocks noChangeAspect="1"/>
+          </p:cNvPicPr>
+          <p:nvPr/>
+        </p:nvPicPr>
+        <p:blipFill>
+          <a:blip r:embed="rId7">
+            <a:extLst>
+              <a:ext uri="{28A0092B-C50C-407E-A947-70E740481C1C}">
+                <a14:useLocalDpi xmlns:a14="http://schemas.microsoft.com/office/drawing/2010/main" val="0"/>
+              </a:ext>
+            </a:extLst>
+          </a:blip>
+          <a:stretch>
+            <a:fillRect/>
+          </a:stretch>
+        </p:blipFill>
+        <p:spPr>
+          <a:xfrm>
+            <a:off x="8417255" y="1050061"/>
+            <a:ext cx="3131659" cy="3131659"/>
+          </a:xfrm>
+          <a:prstGeom prst="rect">
+            <a:avLst/>
+          </a:prstGeom>
+        </p:spPr>
+      </p:pic>
+      <mc:AlternateContent xmlns:mc="http://schemas.openxmlformats.org/markup-compatibility/2006">
+        <mc:Choice xmlns:a14="http://schemas.microsoft.com/office/drawing/2010/main" Requires="a14">
+          <p:sp>
+            <p:nvSpPr>
+              <p:cNvPr id="8" name="TextBox 7">
+                <a:extLst>
+                  <a:ext uri="{FF2B5EF4-FFF2-40B4-BE49-F238E27FC236}">
+                    <a16:creationId xmlns:a16="http://schemas.microsoft.com/office/drawing/2014/main" id="{7787FD0F-51DB-3306-5AC4-98F0373E0EED}"/>
+                  </a:ext>
+                </a:extLst>
+              </p:cNvPr>
+              <p:cNvSpPr txBox="1"/>
+              <p:nvPr/>
+            </p:nvSpPr>
+            <p:spPr>
+              <a:xfrm>
+                <a:off x="9193192" y="1984034"/>
+                <a:ext cx="275139" cy="276999"/>
+              </a:xfrm>
+              <a:prstGeom prst="rect">
+                <a:avLst/>
+              </a:prstGeom>
+              <a:noFill/>
+            </p:spPr>
+            <p:txBody>
+              <a:bodyPr wrap="none" lIns="0" tIns="0" rIns="0" bIns="0" rtlCol="0">
+                <a:spAutoFit/>
+              </a:bodyPr>
+              <a:lstStyle/>
+              <a:p>
+                <a14:m>
+                  <m:oMathPara xmlns:m="http://schemas.openxmlformats.org/officeDocument/2006/math">
+                    <m:oMathParaPr>
+                      <m:jc m:val="centerGroup"/>
+                    </m:oMathParaPr>
+                    <m:oMath xmlns:m="http://schemas.openxmlformats.org/officeDocument/2006/math">
+                      <m:sSub>
+                        <m:sSubPr>
+                          <m:ctrlPr>
+                            <a:rPr lang="ru-RU" i="1" smtClean="0">
+                              <a:latin typeface="Cambria Math" panose="02040503050406030204" pitchFamily="18" charset="0"/>
+                            </a:rPr>
+                          </m:ctrlPr>
+                        </m:sSubPr>
+                        <m:e>
+                          <m:r>
+                            <a:rPr lang="ru-RU" i="1" smtClean="0">
+                              <a:latin typeface="Cambria Math" panose="02040503050406030204" pitchFamily="18" charset="0"/>
+                              <a:ea typeface="Cambria Math" panose="02040503050406030204" pitchFamily="18" charset="0"/>
+                            </a:rPr>
+                            <m:t>𝜆</m:t>
+                          </m:r>
+                        </m:e>
+                        <m:sub>
+                          <m:r>
+                            <a:rPr lang="ru-RU" b="0" i="1" smtClean="0">
+                              <a:latin typeface="Cambria Math" panose="02040503050406030204" pitchFamily="18" charset="0"/>
+                            </a:rPr>
+                            <m:t>1</m:t>
+                          </m:r>
+                        </m:sub>
+                      </m:sSub>
+                    </m:oMath>
+                  </m:oMathPara>
+                </a14:m>
+                <a:endParaRPr lang="ru-RU" dirty="0"/>
+              </a:p>
+            </p:txBody>
+          </p:sp>
+        </mc:Choice>
+        <mc:Fallback>
+          <p:sp>
+            <p:nvSpPr>
+              <p:cNvPr id="8" name="TextBox 7">
+                <a:extLst>
+                  <a:ext uri="{FF2B5EF4-FFF2-40B4-BE49-F238E27FC236}">
+                    <a16:creationId xmlns:a16="http://schemas.microsoft.com/office/drawing/2014/main" id="{7787FD0F-51DB-3306-5AC4-98F0373E0EED}"/>
+                  </a:ext>
+                </a:extLst>
+              </p:cNvPr>
+              <p:cNvSpPr txBox="1">
+                <a:spLocks noRot="1" noChangeAspect="1" noMove="1" noResize="1" noEditPoints="1" noAdjustHandles="1" noChangeArrowheads="1" noChangeShapeType="1" noTextEdit="1"/>
+              </p:cNvSpPr>
+              <p:nvPr/>
+            </p:nvSpPr>
+            <p:spPr>
+              <a:xfrm>
+                <a:off x="9193192" y="1984034"/>
+                <a:ext cx="275139" cy="276999"/>
+              </a:xfrm>
+              <a:prstGeom prst="rect">
+                <a:avLst/>
+              </a:prstGeom>
+              <a:blipFill>
+                <a:blip r:embed="rId8"/>
+                <a:stretch>
+                  <a:fillRect l="-22222" r="-6667" b="-13043"/>
+                </a:stretch>
+              </a:blipFill>
+            </p:spPr>
+            <p:txBody>
+              <a:bodyPr/>
+              <a:lstStyle/>
+              <a:p>
+                <a:r>
+                  <a:rPr lang="ru-RU">
+                    <a:noFill/>
+                  </a:rPr>
+                  <a:t> </a:t>
+                </a:r>
+              </a:p>
+            </p:txBody>
+          </p:sp>
+        </mc:Fallback>
+      </mc:AlternateContent>
+      <mc:AlternateContent xmlns:mc="http://schemas.openxmlformats.org/markup-compatibility/2006">
+        <mc:Choice xmlns:a14="http://schemas.microsoft.com/office/drawing/2010/main" Requires="a14">
+          <p:sp>
+            <p:nvSpPr>
+              <p:cNvPr id="12" name="TextBox 11">
+                <a:extLst>
+                  <a:ext uri="{FF2B5EF4-FFF2-40B4-BE49-F238E27FC236}">
+                    <a16:creationId xmlns:a16="http://schemas.microsoft.com/office/drawing/2014/main" id="{3484A153-57BD-A0E8-7FE0-F5A276556F38}"/>
+                  </a:ext>
+                </a:extLst>
+              </p:cNvPr>
+              <p:cNvSpPr txBox="1"/>
+              <p:nvPr/>
+            </p:nvSpPr>
+            <p:spPr>
+              <a:xfrm>
+                <a:off x="10447179" y="2016119"/>
+                <a:ext cx="280461" cy="276999"/>
+              </a:xfrm>
+              <a:prstGeom prst="rect">
+                <a:avLst/>
+              </a:prstGeom>
+              <a:noFill/>
+            </p:spPr>
+            <p:txBody>
+              <a:bodyPr wrap="none" lIns="0" tIns="0" rIns="0" bIns="0" rtlCol="0">
+                <a:spAutoFit/>
+              </a:bodyPr>
+              <a:lstStyle/>
+              <a:p>
+                <a14:m>
+                  <m:oMathPara xmlns:m="http://schemas.openxmlformats.org/officeDocument/2006/math">
+                    <m:oMathParaPr>
+                      <m:jc m:val="centerGroup"/>
+                    </m:oMathParaPr>
+                    <m:oMath xmlns:m="http://schemas.openxmlformats.org/officeDocument/2006/math">
+                      <m:sSub>
+                        <m:sSubPr>
+                          <m:ctrlPr>
+                            <a:rPr lang="ru-RU" i="1" smtClean="0">
+                              <a:latin typeface="Cambria Math" panose="02040503050406030204" pitchFamily="18" charset="0"/>
+                            </a:rPr>
+                          </m:ctrlPr>
+                        </m:sSubPr>
+                        <m:e>
+                          <m:r>
+                            <a:rPr lang="ru-RU" i="1" smtClean="0">
+                              <a:latin typeface="Cambria Math" panose="02040503050406030204" pitchFamily="18" charset="0"/>
+                              <a:ea typeface="Cambria Math" panose="02040503050406030204" pitchFamily="18" charset="0"/>
+                            </a:rPr>
+                            <m:t>𝜆</m:t>
+                          </m:r>
+                        </m:e>
+                        <m:sub>
+                          <m:r>
+                            <a:rPr lang="ru-RU" b="0" i="1" smtClean="0">
+                              <a:latin typeface="Cambria Math" panose="02040503050406030204" pitchFamily="18" charset="0"/>
+                            </a:rPr>
+                            <m:t>2</m:t>
+                          </m:r>
+                        </m:sub>
+                      </m:sSub>
+                    </m:oMath>
+                  </m:oMathPara>
+                </a14:m>
+                <a:endParaRPr lang="ru-RU" dirty="0"/>
+              </a:p>
+            </p:txBody>
+          </p:sp>
+        </mc:Choice>
+        <mc:Fallback>
+          <p:sp>
+            <p:nvSpPr>
+              <p:cNvPr id="12" name="TextBox 11">
+                <a:extLst>
+                  <a:ext uri="{FF2B5EF4-FFF2-40B4-BE49-F238E27FC236}">
+                    <a16:creationId xmlns:a16="http://schemas.microsoft.com/office/drawing/2014/main" id="{3484A153-57BD-A0E8-7FE0-F5A276556F38}"/>
+                  </a:ext>
+                </a:extLst>
+              </p:cNvPr>
+              <p:cNvSpPr txBox="1">
+                <a:spLocks noRot="1" noChangeAspect="1" noMove="1" noResize="1" noEditPoints="1" noAdjustHandles="1" noChangeArrowheads="1" noChangeShapeType="1" noTextEdit="1"/>
+              </p:cNvSpPr>
+              <p:nvPr/>
+            </p:nvSpPr>
+            <p:spPr>
+              <a:xfrm>
+                <a:off x="10447179" y="2016119"/>
+                <a:ext cx="280461" cy="276999"/>
+              </a:xfrm>
+              <a:prstGeom prst="rect">
+                <a:avLst/>
+              </a:prstGeom>
+              <a:blipFill>
+                <a:blip r:embed="rId9"/>
+                <a:stretch>
+                  <a:fillRect l="-21739" r="-6522" b="-15556"/>
+                </a:stretch>
+              </a:blipFill>
+            </p:spPr>
+            <p:txBody>
+              <a:bodyPr/>
+              <a:lstStyle/>
+              <a:p>
+                <a:r>
+                  <a:rPr lang="ru-RU">
+                    <a:noFill/>
+                  </a:rPr>
+                  <a:t> </a:t>
+                </a:r>
+              </a:p>
+            </p:txBody>
+          </p:sp>
+        </mc:Fallback>
+      </mc:AlternateContent>
     </p:spTree>
     <p:extLst>
       <p:ext uri="{BB962C8B-B14F-4D97-AF65-F5344CB8AC3E}">
@@ -26809,12 +27020,43 @@
           </a:p>
         </p:txBody>
       </p:sp>
+      <p:pic>
+        <p:nvPicPr>
+          <p:cNvPr id="20" name="Рисунок 19">
+            <a:extLst>
+              <a:ext uri="{FF2B5EF4-FFF2-40B4-BE49-F238E27FC236}">
+                <a16:creationId xmlns:a16="http://schemas.microsoft.com/office/drawing/2014/main" id="{B5358D39-F064-7F83-967F-EC8B4AB334FB}"/>
+              </a:ext>
+            </a:extLst>
+          </p:cNvPr>
+          <p:cNvPicPr>
+            <a:picLocks noChangeAspect="1"/>
+          </p:cNvPicPr>
+          <p:nvPr/>
+        </p:nvPicPr>
+        <p:blipFill>
+          <a:blip r:embed="rId2"/>
+          <a:srcRect b="7942"/>
+          <a:stretch>
+            <a:fillRect/>
+          </a:stretch>
+        </p:blipFill>
+        <p:spPr>
+          <a:xfrm>
+            <a:off x="4435786" y="2135938"/>
+            <a:ext cx="4981143" cy="4585538"/>
+          </a:xfrm>
+          <a:prstGeom prst="rect">
+            <a:avLst/>
+          </a:prstGeom>
+        </p:spPr>
+      </p:pic>
       <p:sp>
         <p:nvSpPr>
-          <p:cNvPr id="11" name="TextBox 10">
+          <p:cNvPr id="17" name="TextBox 16">
             <a:extLst>
               <a:ext uri="{FF2B5EF4-FFF2-40B4-BE49-F238E27FC236}">
-                <a16:creationId xmlns:a16="http://schemas.microsoft.com/office/drawing/2014/main" id="{F5CDE013-EC0A-5AE9-A7BF-71995DF7AB23}"/>
+                <a16:creationId xmlns:a16="http://schemas.microsoft.com/office/drawing/2014/main" id="{B9E10F56-D52C-E78E-AE31-4AD90E462218}"/>
               </a:ext>
             </a:extLst>
           </p:cNvPr>
@@ -26823,8 +27065,8 @@
         </p:nvSpPr>
         <p:spPr>
           <a:xfrm>
-            <a:off x="838200" y="1758202"/>
-            <a:ext cx="6096000" cy="923330"/>
+            <a:off x="8458200" y="6123543"/>
+            <a:ext cx="2667000" cy="369332"/>
           </a:xfrm>
           <a:prstGeom prst="rect">
             <a:avLst/>
@@ -26842,22 +27084,126 @@
                 <a:latin typeface="Arial" panose="020B0604020202020204" pitchFamily="34" charset="0"/>
                 <a:cs typeface="Arial" panose="020B0604020202020204" pitchFamily="34" charset="0"/>
               </a:rPr>
-              <a:t>Это новый Frame 3, мы </a:t>
+              <a:t>Задача – найти R и T</a:t>
             </a:r>
-            <a:r>
-              <a:rPr lang="ru-RU" dirty="0" err="1">
+          </a:p>
+        </p:txBody>
+      </p:sp>
+      <p:cxnSp>
+        <p:nvCxnSpPr>
+          <p:cNvPr id="3" name="Прямая со стрелкой 2">
+            <a:extLst>
+              <a:ext uri="{FF2B5EF4-FFF2-40B4-BE49-F238E27FC236}">
+                <a16:creationId xmlns:a16="http://schemas.microsoft.com/office/drawing/2014/main" id="{6474A1BD-4D9B-317B-9AA3-AD7BCA3E5D35}"/>
+              </a:ext>
+            </a:extLst>
+          </p:cNvPr>
+          <p:cNvCxnSpPr>
+            <a:cxnSpLocks/>
+          </p:cNvCxnSpPr>
+          <p:nvPr/>
+        </p:nvCxnSpPr>
+        <p:spPr>
+          <a:xfrm flipH="1">
+            <a:off x="8823960" y="2135937"/>
+            <a:ext cx="1451660" cy="646331"/>
+          </a:xfrm>
+          <a:prstGeom prst="straightConnector1">
+            <a:avLst/>
+          </a:prstGeom>
+          <a:ln>
+            <a:tailEnd type="triangle"/>
+          </a:ln>
+        </p:spPr>
+        <p:style>
+          <a:lnRef idx="1">
+            <a:schemeClr val="accent1"/>
+          </a:lnRef>
+          <a:fillRef idx="0">
+            <a:schemeClr val="accent1"/>
+          </a:fillRef>
+          <a:effectRef idx="0">
+            <a:schemeClr val="accent1"/>
+          </a:effectRef>
+          <a:fontRef idx="minor">
+            <a:schemeClr val="tx1"/>
+          </a:fontRef>
+        </p:style>
+      </p:cxnSp>
+      <p:cxnSp>
+        <p:nvCxnSpPr>
+          <p:cNvPr id="8" name="Прямая со стрелкой 7">
+            <a:extLst>
+              <a:ext uri="{FF2B5EF4-FFF2-40B4-BE49-F238E27FC236}">
+                <a16:creationId xmlns:a16="http://schemas.microsoft.com/office/drawing/2014/main" id="{93F37DB9-0028-5CBC-1D35-E09409AD7E33}"/>
+              </a:ext>
+            </a:extLst>
+          </p:cNvPr>
+          <p:cNvCxnSpPr>
+            <a:cxnSpLocks/>
+            <a:stCxn id="17" idx="0"/>
+          </p:cNvCxnSpPr>
+          <p:nvPr/>
+        </p:nvCxnSpPr>
+        <p:spPr>
+          <a:xfrm flipH="1" flipV="1">
+            <a:off x="8823960" y="5477212"/>
+            <a:ext cx="967740" cy="646331"/>
+          </a:xfrm>
+          <a:prstGeom prst="straightConnector1">
+            <a:avLst/>
+          </a:prstGeom>
+          <a:ln>
+            <a:tailEnd type="triangle"/>
+          </a:ln>
+        </p:spPr>
+        <p:style>
+          <a:lnRef idx="1">
+            <a:schemeClr val="accent1"/>
+          </a:lnRef>
+          <a:fillRef idx="0">
+            <a:schemeClr val="accent1"/>
+          </a:fillRef>
+          <a:effectRef idx="0">
+            <a:schemeClr val="accent1"/>
+          </a:effectRef>
+          <a:fontRef idx="minor">
+            <a:schemeClr val="tx1"/>
+          </a:fontRef>
+        </p:style>
+      </p:cxnSp>
+      <p:sp>
+        <p:nvSpPr>
+          <p:cNvPr id="4" name="Номер слайда 3">
+            <a:extLst>
+              <a:ext uri="{FF2B5EF4-FFF2-40B4-BE49-F238E27FC236}">
+                <a16:creationId xmlns:a16="http://schemas.microsoft.com/office/drawing/2014/main" id="{845DB3B9-CD18-A08E-9ADE-1456357F9F40}"/>
+              </a:ext>
+            </a:extLst>
+          </p:cNvPr>
+          <p:cNvSpPr>
+            <a:spLocks noGrp="1"/>
+          </p:cNvSpPr>
+          <p:nvPr>
+            <p:ph type="sldNum" sz="quarter" idx="12"/>
+          </p:nvPr>
+        </p:nvSpPr>
+        <p:spPr/>
+        <p:txBody>
+          <a:bodyPr/>
+          <a:lstStyle/>
+          <a:p>
+            <a:fld id="{818D4B0C-12DF-447C-B791-E379AA958CE7}" type="slidenum">
+              <a:rPr lang="ru-RU" smtClean="0">
                 <a:latin typeface="Arial" panose="020B0604020202020204" pitchFamily="34" charset="0"/>
                 <a:cs typeface="Arial" panose="020B0604020202020204" pitchFamily="34" charset="0"/>
               </a:rPr>
-              <a:t>сматчили</a:t>
-            </a:r>
-            <a:r>
-              <a:rPr lang="ru-RU" dirty="0">
-                <a:latin typeface="Arial" panose="020B0604020202020204" pitchFamily="34" charset="0"/>
-                <a:cs typeface="Arial" panose="020B0604020202020204" pitchFamily="34" charset="0"/>
-              </a:rPr>
-              <a:t> его 2D фичи с 2D фичами Frame 2. То есть у нас есть информация, куда 3D проецируются на Frame 3.</a:t>
-            </a:r>
+              <a:t>24</a:t>
+            </a:fld>
+            <a:endParaRPr lang="ru-RU">
+              <a:latin typeface="Arial" panose="020B0604020202020204" pitchFamily="34" charset="0"/>
+              <a:cs typeface="Arial" panose="020B0604020202020204" pitchFamily="34" charset="0"/>
+            </a:endParaRPr>
           </a:p>
         </p:txBody>
       </p:sp>
@@ -26969,42 +27315,12 @@
           </a:p>
         </p:txBody>
       </p:sp>
-      <p:pic>
-        <p:nvPicPr>
-          <p:cNvPr id="20" name="Рисунок 19">
+      <p:sp>
+        <p:nvSpPr>
+          <p:cNvPr id="11" name="TextBox 10">
             <a:extLst>
               <a:ext uri="{FF2B5EF4-FFF2-40B4-BE49-F238E27FC236}">
-                <a16:creationId xmlns:a16="http://schemas.microsoft.com/office/drawing/2014/main" id="{B5358D39-F064-7F83-967F-EC8B4AB334FB}"/>
-              </a:ext>
-            </a:extLst>
-          </p:cNvPr>
-          <p:cNvPicPr>
-            <a:picLocks noChangeAspect="1"/>
-          </p:cNvPicPr>
-          <p:nvPr/>
-        </p:nvPicPr>
-        <p:blipFill>
-          <a:blip r:embed="rId2"/>
-          <a:stretch>
-            <a:fillRect/>
-          </a:stretch>
-        </p:blipFill>
-        <p:spPr>
-          <a:xfrm>
-            <a:off x="5909485" y="2523320"/>
-            <a:ext cx="3877235" cy="3877235"/>
-          </a:xfrm>
-          <a:prstGeom prst="rect">
-            <a:avLst/>
-          </a:prstGeom>
-        </p:spPr>
-      </p:pic>
-      <p:sp>
-        <p:nvSpPr>
-          <p:cNvPr id="17" name="TextBox 16">
-            <a:extLst>
-              <a:ext uri="{FF2B5EF4-FFF2-40B4-BE49-F238E27FC236}">
-                <a16:creationId xmlns:a16="http://schemas.microsoft.com/office/drawing/2014/main" id="{B9E10F56-D52C-E78E-AE31-4AD90E462218}"/>
+                <a16:creationId xmlns:a16="http://schemas.microsoft.com/office/drawing/2014/main" id="{F5CDE013-EC0A-5AE9-A7BF-71995DF7AB23}"/>
               </a:ext>
             </a:extLst>
           </p:cNvPr>
@@ -27013,8 +27329,8 @@
         </p:nvSpPr>
         <p:spPr>
           <a:xfrm>
-            <a:off x="8458200" y="6123543"/>
-            <a:ext cx="2667000" cy="369332"/>
+            <a:off x="838200" y="1758202"/>
+            <a:ext cx="6096000" cy="923330"/>
           </a:xfrm>
           <a:prstGeom prst="rect">
             <a:avLst/>
@@ -27032,126 +27348,35 @@
                 <a:latin typeface="Arial" panose="020B0604020202020204" pitchFamily="34" charset="0"/>
                 <a:cs typeface="Arial" panose="020B0604020202020204" pitchFamily="34" charset="0"/>
               </a:rPr>
-              <a:t>Задача – найти R и T</a:t>
+              <a:t>Это новый Frame 3, мы </a:t>
             </a:r>
-          </a:p>
-        </p:txBody>
-      </p:sp>
-      <p:cxnSp>
-        <p:nvCxnSpPr>
-          <p:cNvPr id="3" name="Прямая со стрелкой 2">
-            <a:extLst>
-              <a:ext uri="{FF2B5EF4-FFF2-40B4-BE49-F238E27FC236}">
-                <a16:creationId xmlns:a16="http://schemas.microsoft.com/office/drawing/2014/main" id="{6474A1BD-4D9B-317B-9AA3-AD7BCA3E5D35}"/>
-              </a:ext>
-            </a:extLst>
-          </p:cNvPr>
-          <p:cNvCxnSpPr>
-            <a:cxnSpLocks/>
-          </p:cNvCxnSpPr>
-          <p:nvPr/>
-        </p:nvCxnSpPr>
-        <p:spPr>
-          <a:xfrm flipH="1">
-            <a:off x="9302800" y="2135937"/>
-            <a:ext cx="972820" cy="880314"/>
-          </a:xfrm>
-          <a:prstGeom prst="straightConnector1">
-            <a:avLst/>
-          </a:prstGeom>
-          <a:ln>
-            <a:tailEnd type="triangle"/>
-          </a:ln>
-        </p:spPr>
-        <p:style>
-          <a:lnRef idx="1">
-            <a:schemeClr val="accent1"/>
-          </a:lnRef>
-          <a:fillRef idx="0">
-            <a:schemeClr val="accent1"/>
-          </a:fillRef>
-          <a:effectRef idx="0">
-            <a:schemeClr val="accent1"/>
-          </a:effectRef>
-          <a:fontRef idx="minor">
-            <a:schemeClr val="tx1"/>
-          </a:fontRef>
-        </p:style>
-      </p:cxnSp>
-      <p:cxnSp>
-        <p:nvCxnSpPr>
-          <p:cNvPr id="8" name="Прямая со стрелкой 7">
-            <a:extLst>
-              <a:ext uri="{FF2B5EF4-FFF2-40B4-BE49-F238E27FC236}">
-                <a16:creationId xmlns:a16="http://schemas.microsoft.com/office/drawing/2014/main" id="{93F37DB9-0028-5CBC-1D35-E09409AD7E33}"/>
-              </a:ext>
-            </a:extLst>
-          </p:cNvPr>
-          <p:cNvCxnSpPr>
-            <a:cxnSpLocks/>
-            <a:stCxn id="17" idx="0"/>
-          </p:cNvCxnSpPr>
-          <p:nvPr/>
-        </p:nvCxnSpPr>
-        <p:spPr>
-          <a:xfrm flipH="1" flipV="1">
-            <a:off x="9031111" y="5418667"/>
-            <a:ext cx="760589" cy="704876"/>
-          </a:xfrm>
-          <a:prstGeom prst="straightConnector1">
-            <a:avLst/>
-          </a:prstGeom>
-          <a:ln>
-            <a:tailEnd type="triangle"/>
-          </a:ln>
-        </p:spPr>
-        <p:style>
-          <a:lnRef idx="1">
-            <a:schemeClr val="accent1"/>
-          </a:lnRef>
-          <a:fillRef idx="0">
-            <a:schemeClr val="accent1"/>
-          </a:fillRef>
-          <a:effectRef idx="0">
-            <a:schemeClr val="accent1"/>
-          </a:effectRef>
-          <a:fontRef idx="minor">
-            <a:schemeClr val="tx1"/>
-          </a:fontRef>
-        </p:style>
-      </p:cxnSp>
-      <p:sp>
-        <p:nvSpPr>
-          <p:cNvPr id="4" name="Номер слайда 3">
-            <a:extLst>
-              <a:ext uri="{FF2B5EF4-FFF2-40B4-BE49-F238E27FC236}">
-                <a16:creationId xmlns:a16="http://schemas.microsoft.com/office/drawing/2014/main" id="{845DB3B9-CD18-A08E-9ADE-1456357F9F40}"/>
-              </a:ext>
-            </a:extLst>
-          </p:cNvPr>
-          <p:cNvSpPr>
-            <a:spLocks noGrp="1"/>
-          </p:cNvSpPr>
-          <p:nvPr>
-            <p:ph type="sldNum" sz="quarter" idx="12"/>
-          </p:nvPr>
-        </p:nvSpPr>
-        <p:spPr/>
-        <p:txBody>
-          <a:bodyPr/>
-          <a:lstStyle/>
-          <a:p>
-            <a:fld id="{818D4B0C-12DF-447C-B791-E379AA958CE7}" type="slidenum">
-              <a:rPr lang="ru-RU" smtClean="0">
+            <a:r>
+              <a:rPr lang="ru-RU" dirty="0" err="1">
                 <a:latin typeface="Arial" panose="020B0604020202020204" pitchFamily="34" charset="0"/>
                 <a:cs typeface="Arial" panose="020B0604020202020204" pitchFamily="34" charset="0"/>
               </a:rPr>
-              <a:t>24</a:t>
-            </a:fld>
-            <a:endParaRPr lang="ru-RU">
+              <a:t>сматчили</a:t>
+            </a:r>
+            <a:r>
+              <a:rPr lang="ru-RU" dirty="0">
+                <a:latin typeface="Arial" panose="020B0604020202020204" pitchFamily="34" charset="0"/>
+                <a:cs typeface="Arial" panose="020B0604020202020204" pitchFamily="34" charset="0"/>
+              </a:rPr>
+              <a:t> его 2D фичи с 2D фичами Frame 2. То есть у нас есть информация,</a:t>
+            </a:r>
+            <a:endParaRPr lang="en-US" dirty="0">
               <a:latin typeface="Arial" panose="020B0604020202020204" pitchFamily="34" charset="0"/>
               <a:cs typeface="Arial" panose="020B0604020202020204" pitchFamily="34" charset="0"/>
             </a:endParaRPr>
+          </a:p>
+          <a:p>
+            <a:r>
+              <a:rPr lang="ru-RU" dirty="0">
+                <a:latin typeface="Arial" panose="020B0604020202020204" pitchFamily="34" charset="0"/>
+                <a:cs typeface="Arial" panose="020B0604020202020204" pitchFamily="34" charset="0"/>
+              </a:rPr>
+              <a:t>куда 3D проецируются на Frame 3.</a:t>
+            </a:r>
           </a:p>
         </p:txBody>
       </p:sp>
@@ -29584,7 +29809,7 @@
                 <a:latin typeface="Arial" panose="020B0604020202020204" pitchFamily="34" charset="0"/>
                 <a:cs typeface="Arial" panose="020B0604020202020204" pitchFamily="34" charset="0"/>
               </a:rPr>
-              <a:t>В пространстве могут использоваться</a:t>
+              <a:t>в пространстве могут использоваться</a:t>
             </a:r>
             <a:r>
               <a:rPr lang="en-US" dirty="0">
@@ -32366,8 +32591,8 @@
           </a:p>
         </p:txBody>
       </p:sp>
-      <mc:AlternateContent xmlns:mc="http://schemas.openxmlformats.org/markup-compatibility/2006" xmlns:a14="http://schemas.microsoft.com/office/drawing/2010/main">
-        <mc:Choice Requires="a14">
+      <mc:AlternateContent xmlns:mc="http://schemas.openxmlformats.org/markup-compatibility/2006">
+        <mc:Choice xmlns:a14="http://schemas.microsoft.com/office/drawing/2010/main" Requires="a14">
           <p:sp>
             <p:nvSpPr>
               <p:cNvPr id="4" name="TextBox 3">
@@ -32383,7 +32608,7 @@
             <p:spPr>
               <a:xfrm>
                 <a:off x="838200" y="2159753"/>
-                <a:ext cx="3282245" cy="276999"/>
+                <a:ext cx="3375989" cy="276999"/>
               </a:xfrm>
               <a:prstGeom prst="rect">
                 <a:avLst/>
@@ -32447,7 +32672,7 @@
                             <a:rPr lang="en-US" b="0" i="1" smtClean="0">
                               <a:latin typeface="Cambria Math" panose="02040503050406030204" pitchFamily="18" charset="0"/>
                             </a:rPr>
-                            <m:t>𝑃</m:t>
+                            <m:t>𝑇</m:t>
                           </m:r>
                         </m:e>
                         <m:sub>
@@ -32511,7 +32736,7 @@
             </p:txBody>
           </p:sp>
         </mc:Choice>
-        <mc:Fallback xmlns="">
+        <mc:Fallback>
           <p:sp>
             <p:nvSpPr>
               <p:cNvPr id="4" name="TextBox 3">
@@ -32529,15 +32754,15 @@
             <p:spPr>
               <a:xfrm>
                 <a:off x="838200" y="2159753"/>
-                <a:ext cx="3282245" cy="276999"/>
+                <a:ext cx="3375989" cy="276999"/>
               </a:xfrm>
               <a:prstGeom prst="rect">
                 <a:avLst/>
               </a:prstGeom>
               <a:blipFill>
-                <a:blip r:embed="rId3"/>
+                <a:blip r:embed="rId2"/>
                 <a:stretch>
-                  <a:fillRect l="-1301" b="-15217"/>
+                  <a:fillRect b="-15217"/>
                 </a:stretch>
               </a:blipFill>
             </p:spPr>
@@ -36774,7 +36999,7 @@
                 <a:latin typeface="Arial" panose="020B0604020202020204" pitchFamily="34" charset="0"/>
                 <a:cs typeface="Arial" panose="020B0604020202020204" pitchFamily="34" charset="0"/>
               </a:rPr>
-              <a:t>Характерными точками в каждом из них,</a:t>
+              <a:t>характерными точками в каждом из них,</a:t>
             </a:r>
             <a:r>
               <a:rPr lang="en-US" dirty="0">
@@ -37180,8 +37405,8 @@
           </p:sp>
         </mc:Fallback>
       </mc:AlternateContent>
-      <mc:AlternateContent xmlns:mc="http://schemas.openxmlformats.org/markup-compatibility/2006" xmlns:a14="http://schemas.microsoft.com/office/drawing/2010/main">
-        <mc:Choice Requires="a14">
+      <mc:AlternateContent xmlns:mc="http://schemas.openxmlformats.org/markup-compatibility/2006">
+        <mc:Choice xmlns:a14="http://schemas.microsoft.com/office/drawing/2010/main" Requires="a14">
           <p:sp>
             <p:nvSpPr>
               <p:cNvPr id="26" name="TextBox 25">
@@ -37196,7 +37421,7 @@
             </p:nvSpPr>
             <p:spPr>
               <a:xfrm>
-                <a:off x="11761893" y="5516417"/>
+                <a:off x="11634256" y="5326615"/>
                 <a:ext cx="305596" cy="276999"/>
               </a:xfrm>
               <a:prstGeom prst="rect">
@@ -37250,7 +37475,7 @@
             </p:txBody>
           </p:sp>
         </mc:Choice>
-        <mc:Fallback xmlns="">
+        <mc:Fallback>
           <p:sp>
             <p:nvSpPr>
               <p:cNvPr id="26" name="TextBox 25">
@@ -37267,7 +37492,7 @@
             </p:nvSpPr>
             <p:spPr>
               <a:xfrm>
-                <a:off x="11761893" y="5516417"/>
+                <a:off x="11634256" y="5326615"/>
                 <a:ext cx="305596" cy="276999"/>
               </a:xfrm>
               <a:prstGeom prst="rect">
@@ -37276,7 +37501,7 @@
               <a:blipFill>
                 <a:blip r:embed="rId5"/>
                 <a:stretch>
-                  <a:fillRect l="-17647" r="-3922" b="-15556"/>
+                  <a:fillRect l="-20000" r="-6000" b="-15556"/>
                 </a:stretch>
               </a:blipFill>
             </p:spPr>
@@ -39785,8 +40010,8 @@
           </p:sp>
         </mc:Fallback>
       </mc:AlternateContent>
-      <mc:AlternateContent xmlns:mc="http://schemas.openxmlformats.org/markup-compatibility/2006" xmlns:a14="http://schemas.microsoft.com/office/drawing/2010/main">
-        <mc:Choice Requires="a14">
+      <mc:AlternateContent xmlns:mc="http://schemas.openxmlformats.org/markup-compatibility/2006">
+        <mc:Choice xmlns:a14="http://schemas.microsoft.com/office/drawing/2010/main" Requires="a14">
           <p:sp>
             <p:nvSpPr>
               <p:cNvPr id="21" name="TextBox 20">
@@ -39802,7 +40027,7 @@
             <p:spPr>
               <a:xfrm>
                 <a:off x="4823760" y="4782223"/>
-                <a:ext cx="2333331" cy="891719"/>
+                <a:ext cx="2448747" cy="891719"/>
               </a:xfrm>
               <a:prstGeom prst="rect">
                 <a:avLst/>
@@ -39893,6 +40118,12 @@
                                     </m:ctrlPr>
                                   </m:sSubPr>
                                   <m:e>
+                                    <m:r>
+                                      <a:rPr lang="ru-RU" b="0" i="1" smtClean="0">
+                                        <a:latin typeface="Cambria Math" panose="02040503050406030204" pitchFamily="18" charset="0"/>
+                                      </a:rPr>
+                                      <m:t>−</m:t>
+                                    </m:r>
                                     <m:r>
                                       <a:rPr lang="en-US" b="0" i="1" smtClean="0">
                                         <a:latin typeface="Cambria Math" panose="02040503050406030204" pitchFamily="18" charset="0"/>
@@ -40089,7 +40320,7 @@
             </p:txBody>
           </p:sp>
         </mc:Choice>
-        <mc:Fallback xmlns="">
+        <mc:Fallback>
           <p:sp>
             <p:nvSpPr>
               <p:cNvPr id="21" name="TextBox 20">
@@ -40107,7 +40338,7 @@
             <p:spPr>
               <a:xfrm>
                 <a:off x="4823760" y="4782223"/>
-                <a:ext cx="2333331" cy="891719"/>
+                <a:ext cx="2448747" cy="891719"/>
               </a:xfrm>
               <a:prstGeom prst="rect">
                 <a:avLst/>
@@ -40863,6 +41094,236 @@
           </a:p>
         </p:txBody>
       </p:sp>
+      <mc:AlternateContent xmlns:mc="http://schemas.openxmlformats.org/markup-compatibility/2006">
+        <mc:Choice xmlns:a14="http://schemas.microsoft.com/office/drawing/2010/main" Requires="a14">
+          <p:sp>
+            <p:nvSpPr>
+              <p:cNvPr id="5" name="TextBox 4">
+                <a:extLst>
+                  <a:ext uri="{FF2B5EF4-FFF2-40B4-BE49-F238E27FC236}">
+                    <a16:creationId xmlns:a16="http://schemas.microsoft.com/office/drawing/2014/main" id="{FC869BC1-2499-9CCE-F56B-2EBD8162DB5E}"/>
+                  </a:ext>
+                </a:extLst>
+              </p:cNvPr>
+              <p:cNvSpPr txBox="1"/>
+              <p:nvPr/>
+            </p:nvSpPr>
+            <p:spPr>
+              <a:xfrm>
+                <a:off x="8771036" y="4167340"/>
+                <a:ext cx="275139" cy="276999"/>
+              </a:xfrm>
+              <a:prstGeom prst="rect">
+                <a:avLst/>
+              </a:prstGeom>
+              <a:noFill/>
+            </p:spPr>
+            <p:txBody>
+              <a:bodyPr wrap="none" lIns="0" tIns="0" rIns="0" bIns="0" rtlCol="0">
+                <a:spAutoFit/>
+              </a:bodyPr>
+              <a:lstStyle/>
+              <a:p>
+                <a14:m>
+                  <m:oMathPara xmlns:m="http://schemas.openxmlformats.org/officeDocument/2006/math">
+                    <m:oMathParaPr>
+                      <m:jc m:val="centerGroup"/>
+                    </m:oMathParaPr>
+                    <m:oMath xmlns:m="http://schemas.openxmlformats.org/officeDocument/2006/math">
+                      <m:sSub>
+                        <m:sSubPr>
+                          <m:ctrlPr>
+                            <a:rPr lang="ru-RU" i="1" smtClean="0">
+                              <a:latin typeface="Cambria Math" panose="02040503050406030204" pitchFamily="18" charset="0"/>
+                            </a:rPr>
+                          </m:ctrlPr>
+                        </m:sSubPr>
+                        <m:e>
+                          <m:r>
+                            <a:rPr lang="ru-RU" i="1" smtClean="0">
+                              <a:latin typeface="Cambria Math" panose="02040503050406030204" pitchFamily="18" charset="0"/>
+                              <a:ea typeface="Cambria Math" panose="02040503050406030204" pitchFamily="18" charset="0"/>
+                            </a:rPr>
+                            <m:t>𝜆</m:t>
+                          </m:r>
+                        </m:e>
+                        <m:sub>
+                          <m:r>
+                            <a:rPr lang="ru-RU" b="0" i="1" smtClean="0">
+                              <a:latin typeface="Cambria Math" panose="02040503050406030204" pitchFamily="18" charset="0"/>
+                            </a:rPr>
+                            <m:t>1</m:t>
+                          </m:r>
+                        </m:sub>
+                      </m:sSub>
+                    </m:oMath>
+                  </m:oMathPara>
+                </a14:m>
+                <a:endParaRPr lang="ru-RU" dirty="0"/>
+              </a:p>
+            </p:txBody>
+          </p:sp>
+        </mc:Choice>
+        <mc:Fallback>
+          <p:sp>
+            <p:nvSpPr>
+              <p:cNvPr id="5" name="TextBox 4">
+                <a:extLst>
+                  <a:ext uri="{FF2B5EF4-FFF2-40B4-BE49-F238E27FC236}">
+                    <a16:creationId xmlns:a16="http://schemas.microsoft.com/office/drawing/2014/main" id="{FC869BC1-2499-9CCE-F56B-2EBD8162DB5E}"/>
+                  </a:ext>
+                </a:extLst>
+              </p:cNvPr>
+              <p:cNvSpPr txBox="1">
+                <a:spLocks noRot="1" noChangeAspect="1" noMove="1" noResize="1" noEditPoints="1" noAdjustHandles="1" noChangeArrowheads="1" noChangeShapeType="1" noTextEdit="1"/>
+              </p:cNvSpPr>
+              <p:nvPr/>
+            </p:nvSpPr>
+            <p:spPr>
+              <a:xfrm>
+                <a:off x="8771036" y="4167340"/>
+                <a:ext cx="275139" cy="276999"/>
+              </a:xfrm>
+              <a:prstGeom prst="rect">
+                <a:avLst/>
+              </a:prstGeom>
+              <a:blipFill>
+                <a:blip r:embed="rId14"/>
+                <a:stretch>
+                  <a:fillRect l="-22222" r="-6667" b="-15556"/>
+                </a:stretch>
+              </a:blipFill>
+            </p:spPr>
+            <p:txBody>
+              <a:bodyPr/>
+              <a:lstStyle/>
+              <a:p>
+                <a:r>
+                  <a:rPr lang="ru-RU">
+                    <a:noFill/>
+                  </a:rPr>
+                  <a:t> </a:t>
+                </a:r>
+              </a:p>
+            </p:txBody>
+          </p:sp>
+        </mc:Fallback>
+      </mc:AlternateContent>
+      <mc:AlternateContent xmlns:mc="http://schemas.openxmlformats.org/markup-compatibility/2006">
+        <mc:Choice xmlns:a14="http://schemas.microsoft.com/office/drawing/2010/main" Requires="a14">
+          <p:sp>
+            <p:nvSpPr>
+              <p:cNvPr id="13" name="TextBox 12">
+                <a:extLst>
+                  <a:ext uri="{FF2B5EF4-FFF2-40B4-BE49-F238E27FC236}">
+                    <a16:creationId xmlns:a16="http://schemas.microsoft.com/office/drawing/2014/main" id="{A5800709-398F-CE3B-0C55-27CA3A3B8BF4}"/>
+                  </a:ext>
+                </a:extLst>
+              </p:cNvPr>
+              <p:cNvSpPr txBox="1"/>
+              <p:nvPr/>
+            </p:nvSpPr>
+            <p:spPr>
+              <a:xfrm>
+                <a:off x="10025023" y="4199425"/>
+                <a:ext cx="280461" cy="276999"/>
+              </a:xfrm>
+              <a:prstGeom prst="rect">
+                <a:avLst/>
+              </a:prstGeom>
+              <a:noFill/>
+            </p:spPr>
+            <p:txBody>
+              <a:bodyPr wrap="none" lIns="0" tIns="0" rIns="0" bIns="0" rtlCol="0">
+                <a:spAutoFit/>
+              </a:bodyPr>
+              <a:lstStyle/>
+              <a:p>
+                <a14:m>
+                  <m:oMathPara xmlns:m="http://schemas.openxmlformats.org/officeDocument/2006/math">
+                    <m:oMathParaPr>
+                      <m:jc m:val="centerGroup"/>
+                    </m:oMathParaPr>
+                    <m:oMath xmlns:m="http://schemas.openxmlformats.org/officeDocument/2006/math">
+                      <m:sSub>
+                        <m:sSubPr>
+                          <m:ctrlPr>
+                            <a:rPr lang="ru-RU" i="1" smtClean="0">
+                              <a:latin typeface="Cambria Math" panose="02040503050406030204" pitchFamily="18" charset="0"/>
+                            </a:rPr>
+                          </m:ctrlPr>
+                        </m:sSubPr>
+                        <m:e>
+                          <m:r>
+                            <a:rPr lang="ru-RU" i="1" smtClean="0">
+                              <a:latin typeface="Cambria Math" panose="02040503050406030204" pitchFamily="18" charset="0"/>
+                              <a:ea typeface="Cambria Math" panose="02040503050406030204" pitchFamily="18" charset="0"/>
+                            </a:rPr>
+                            <m:t>𝜆</m:t>
+                          </m:r>
+                        </m:e>
+                        <m:sub>
+                          <m:r>
+                            <a:rPr lang="ru-RU" b="0" i="1" smtClean="0">
+                              <a:latin typeface="Cambria Math" panose="02040503050406030204" pitchFamily="18" charset="0"/>
+                            </a:rPr>
+                            <m:t>2</m:t>
+                          </m:r>
+                        </m:sub>
+                      </m:sSub>
+                    </m:oMath>
+                  </m:oMathPara>
+                </a14:m>
+                <a:endParaRPr lang="ru-RU" dirty="0"/>
+              </a:p>
+            </p:txBody>
+          </p:sp>
+        </mc:Choice>
+        <mc:Fallback>
+          <p:sp>
+            <p:nvSpPr>
+              <p:cNvPr id="13" name="TextBox 12">
+                <a:extLst>
+                  <a:ext uri="{FF2B5EF4-FFF2-40B4-BE49-F238E27FC236}">
+                    <a16:creationId xmlns:a16="http://schemas.microsoft.com/office/drawing/2014/main" id="{A5800709-398F-CE3B-0C55-27CA3A3B8BF4}"/>
+                  </a:ext>
+                </a:extLst>
+              </p:cNvPr>
+              <p:cNvSpPr txBox="1">
+                <a:spLocks noRot="1" noChangeAspect="1" noMove="1" noResize="1" noEditPoints="1" noAdjustHandles="1" noChangeArrowheads="1" noChangeShapeType="1" noTextEdit="1"/>
+              </p:cNvSpPr>
+              <p:nvPr/>
+            </p:nvSpPr>
+            <p:spPr>
+              <a:xfrm>
+                <a:off x="10025023" y="4199425"/>
+                <a:ext cx="280461" cy="276999"/>
+              </a:xfrm>
+              <a:prstGeom prst="rect">
+                <a:avLst/>
+              </a:prstGeom>
+              <a:blipFill>
+                <a:blip r:embed="rId15"/>
+                <a:stretch>
+                  <a:fillRect l="-21739" r="-6522" b="-15556"/>
+                </a:stretch>
+              </a:blipFill>
+            </p:spPr>
+            <p:txBody>
+              <a:bodyPr/>
+              <a:lstStyle/>
+              <a:p>
+                <a:r>
+                  <a:rPr lang="ru-RU">
+                    <a:noFill/>
+                  </a:rPr>
+                  <a:t> </a:t>
+                </a:r>
+              </a:p>
+            </p:txBody>
+          </p:sp>
+        </mc:Fallback>
+      </mc:AlternateContent>
     </p:spTree>
     <p:extLst>
       <p:ext uri="{BB962C8B-B14F-4D97-AF65-F5344CB8AC3E}">
